--- a/public/Pucitis_Ritvars_IP19-KVD.pptx
+++ b/public/Pucitis_Ritvars_IP19-KVD.pptx
@@ -7974,7 +7974,7 @@
                 <a:cs typeface="Montserrat"/>
                 <a:sym typeface="Montserrat"/>
               </a:rPr>
-              <a:t>“Tiešsaistes Forums”</a:t>
+              <a:t>Tiešsaistes Forums</a:t>
             </a:r>
             <a:endParaRPr sz="2200" dirty="0">
               <a:latin typeface="Montserrat"/>
@@ -8106,7 +8106,7 @@
                 <a:cs typeface="Montserrat"/>
                 <a:sym typeface="Montserrat"/>
               </a:rPr>
-              <a:t>Vidzemes tehnoloģiju un dizaina tehnikums</a:t>
+              <a:t>Vidzemes Tehnoloģiju un dizaina tehnikums</a:t>
             </a:r>
             <a:r>
               <a:rPr lang="lv" sz="4800" b="1" dirty="0">
@@ -8259,9 +8259,21 @@
                 <a:cs typeface="Montserrat"/>
                 <a:sym typeface="Montserrat"/>
               </a:rPr>
-              <a:t>Kvalifikācija: Programmēšanas tehniķis</a:t>
+              <a:t>Kvalifikācijas </a:t>
             </a:r>
-            <a:endParaRPr sz="4800" b="1" dirty="0">
+            <a:r>
+              <a:rPr lang="lv" sz="2200" i="1" dirty="0">
+                <a:solidFill>
+                  <a:srgbClr val="FFFFFF"/>
+                </a:solidFill>
+                <a:latin typeface="Montserrat"/>
+                <a:ea typeface="Montserrat"/>
+                <a:cs typeface="Montserrat"/>
+                <a:sym typeface="Montserrat"/>
+              </a:rPr>
+              <a:t>Programmēšanas tehniķis</a:t>
+            </a:r>
+            <a:endParaRPr sz="4800" b="1" i="1" dirty="0">
               <a:solidFill>
                 <a:srgbClr val="FFFFFF"/>
               </a:solidFill>

--- a/public/Pucitis_Ritvars_IP19-KVD.pptx
+++ b/public/Pucitis_Ritvars_IP19-KVD.pptx
@@ -7893,8 +7893,8 @@
         </p:nvSpPr>
         <p:spPr>
           <a:xfrm>
-            <a:off x="1031400" y="2513950"/>
-            <a:ext cx="7081200" cy="1159800"/>
+            <a:off x="1031400" y="2681376"/>
+            <a:ext cx="7081200" cy="625176"/>
           </a:xfrm>
           <a:prstGeom prst="rect">
             <a:avLst/>
@@ -7915,60 +7915,16 @@
               </a:spcAft>
               <a:buNone/>
             </a:pPr>
-            <a:r>
-              <a:rPr lang="lv" sz="2200" b="0" dirty="0">
+            <a:br>
+              <a:rPr lang="lv" sz="3600" dirty="0">
                 <a:latin typeface="Montserrat"/>
                 <a:ea typeface="Montserrat"/>
                 <a:cs typeface="Montserrat"/>
                 <a:sym typeface="Montserrat"/>
               </a:rPr>
-              <a:t>Prezentācija kvalifikācijas darbam</a:t>
-            </a:r>
-            <a:endParaRPr sz="2200" b="0" dirty="0">
-              <a:latin typeface="Montserrat"/>
-              <a:ea typeface="Montserrat"/>
-              <a:cs typeface="Montserrat"/>
-              <a:sym typeface="Montserrat"/>
-            </a:endParaRPr>
-          </a:p>
-          <a:p>
-            <a:pPr marL="0" lvl="0" indent="0" algn="ctr" rtl="0">
-              <a:spcBef>
-                <a:spcPts val="0"/>
-              </a:spcBef>
-              <a:spcAft>
-                <a:spcPts val="0"/>
-              </a:spcAft>
-              <a:buNone/>
-            </a:pPr>
+            </a:br>
             <a:r>
-              <a:rPr lang="lv" sz="2200" b="0" dirty="0">
-                <a:latin typeface="Montserrat"/>
-                <a:ea typeface="Montserrat"/>
-                <a:cs typeface="Montserrat"/>
-                <a:sym typeface="Montserrat"/>
-              </a:rPr>
-              <a:t>Tīmekļa vietne</a:t>
-            </a:r>
-            <a:endParaRPr sz="2200" b="0" dirty="0">
-              <a:latin typeface="Montserrat"/>
-              <a:ea typeface="Montserrat"/>
-              <a:cs typeface="Montserrat"/>
-              <a:sym typeface="Montserrat"/>
-            </a:endParaRPr>
-          </a:p>
-          <a:p>
-            <a:pPr marL="0" lvl="0" indent="0" algn="ctr" rtl="0">
-              <a:spcBef>
-                <a:spcPts val="0"/>
-              </a:spcBef>
-              <a:spcAft>
-                <a:spcPts val="0"/>
-              </a:spcAft>
-              <a:buNone/>
-            </a:pPr>
-            <a:r>
-              <a:rPr lang="lv" sz="2200" dirty="0">
+              <a:rPr lang="lv" sz="3600" dirty="0">
                 <a:latin typeface="Montserrat"/>
                 <a:ea typeface="Montserrat"/>
                 <a:cs typeface="Montserrat"/>
@@ -7976,7 +7932,7 @@
               </a:rPr>
               <a:t>Tiešsaistes Forums</a:t>
             </a:r>
-            <a:endParaRPr sz="2200" dirty="0">
+            <a:endParaRPr sz="3600" dirty="0">
               <a:latin typeface="Montserrat"/>
               <a:ea typeface="Montserrat"/>
               <a:cs typeface="Montserrat"/>
@@ -8024,7 +7980,7 @@
               <a:buNone/>
             </a:pPr>
             <a:r>
-              <a:rPr lang="lv" sz="1820">
+              <a:rPr lang="lv" dirty="0">
                 <a:latin typeface="Montserrat"/>
                 <a:ea typeface="Montserrat"/>
                 <a:cs typeface="Montserrat"/>
@@ -8032,7 +7988,7 @@
               </a:rPr>
               <a:t>Darba autors: Ritvars Pūcītis </a:t>
             </a:r>
-            <a:endParaRPr sz="1820">
+            <a:endParaRPr dirty="0">
               <a:latin typeface="Montserrat"/>
               <a:ea typeface="Montserrat"/>
               <a:cs typeface="Montserrat"/>
@@ -8053,7 +8009,7 @@
               <a:buSzPts val="1018"/>
               <a:buNone/>
             </a:pPr>
-            <a:endParaRPr sz="1820">
+            <a:endParaRPr dirty="0">
               <a:latin typeface="Montserrat"/>
               <a:ea typeface="Montserrat"/>
               <a:cs typeface="Montserrat"/>
@@ -8070,7 +8026,7 @@
         </p:nvSpPr>
         <p:spPr>
           <a:xfrm>
-            <a:off x="1031400" y="961229"/>
+            <a:off x="1031400" y="-3526"/>
             <a:ext cx="7081200" cy="729600"/>
           </a:xfrm>
           <a:prstGeom prst="rect">
@@ -8097,7 +8053,7 @@
               <a:buNone/>
             </a:pPr>
             <a:r>
-              <a:rPr lang="lv" sz="2200" dirty="0">
+              <a:rPr lang="lv" sz="1800" dirty="0">
                 <a:solidFill>
                   <a:srgbClr val="FFFFFF"/>
                 </a:solidFill>
@@ -8109,7 +8065,7 @@
               <a:t>Vidzemes Tehnoloģiju un dizaina tehnikums</a:t>
             </a:r>
             <a:r>
-              <a:rPr lang="lv" sz="4800" b="1" dirty="0">
+              <a:rPr lang="lv" sz="1800" b="1" dirty="0">
                 <a:solidFill>
                   <a:srgbClr val="FFFFFF"/>
                 </a:solidFill>
@@ -8120,7 +8076,7 @@
               </a:rPr>
               <a:t> </a:t>
             </a:r>
-            <a:endParaRPr sz="4800" b="1" dirty="0">
+            <a:endParaRPr sz="1800" b="1" dirty="0">
               <a:solidFill>
                 <a:srgbClr val="FFFFFF"/>
               </a:solidFill>
@@ -8170,7 +8126,7 @@
               <a:buSzPts val="1018"/>
               <a:buNone/>
             </a:pPr>
-            <a:endParaRPr sz="1820" dirty="0">
+            <a:endParaRPr sz="1600" dirty="0">
               <a:latin typeface="Montserrat"/>
               <a:ea typeface="Montserrat"/>
               <a:cs typeface="Montserrat"/>
@@ -8192,7 +8148,7 @@
               <a:buNone/>
             </a:pPr>
             <a:r>
-              <a:rPr lang="lv" sz="1820" dirty="0">
+              <a:rPr lang="lv" sz="1600" dirty="0">
                 <a:latin typeface="Montserrat"/>
                 <a:ea typeface="Montserrat"/>
                 <a:cs typeface="Montserrat"/>
@@ -8200,7 +8156,7 @@
               </a:rPr>
               <a:t>Cēsis 2023</a:t>
             </a:r>
-            <a:endParaRPr sz="1820" dirty="0">
+            <a:endParaRPr sz="1600" dirty="0">
               <a:latin typeface="Montserrat"/>
               <a:ea typeface="Montserrat"/>
               <a:cs typeface="Montserrat"/>
@@ -8223,7 +8179,7 @@
         </p:nvSpPr>
         <p:spPr>
           <a:xfrm>
-            <a:off x="1031400" y="1287863"/>
+            <a:off x="1031400" y="361274"/>
             <a:ext cx="7081200" cy="729600"/>
           </a:xfrm>
           <a:prstGeom prst="rect">
@@ -8250,7 +8206,7 @@
               <a:buNone/>
             </a:pPr>
             <a:r>
-              <a:rPr lang="lv" sz="2200" dirty="0">
+              <a:rPr lang="lv" sz="1800" dirty="0">
                 <a:solidFill>
                   <a:srgbClr val="FFFFFF"/>
                 </a:solidFill>
@@ -8262,7 +8218,7 @@
               <a:t>Kvalifikācijas </a:t>
             </a:r>
             <a:r>
-              <a:rPr lang="lv" sz="2200" i="1" dirty="0">
+              <a:rPr lang="lv" sz="1800" i="1" dirty="0">
                 <a:solidFill>
                   <a:srgbClr val="FFFFFF"/>
                 </a:solidFill>
@@ -8273,7 +8229,7 @@
               </a:rPr>
               <a:t>Programmēšanas tehniķis</a:t>
             </a:r>
-            <a:endParaRPr sz="4800" b="1" i="1" dirty="0">
+            <a:endParaRPr sz="1800" b="1" i="1" dirty="0">
               <a:solidFill>
                 <a:srgbClr val="FFFFFF"/>
               </a:solidFill>
@@ -8281,6 +8237,316 @@
               <a:ea typeface="Cousine"/>
               <a:cs typeface="Cousine"/>
               <a:sym typeface="Cousine"/>
+            </a:endParaRPr>
+          </a:p>
+        </p:txBody>
+      </p:sp>
+      <p:sp>
+        <p:nvSpPr>
+          <p:cNvPr id="5" name="Google Shape;77;p12">
+            <a:extLst>
+              <a:ext uri="{FF2B5EF4-FFF2-40B4-BE49-F238E27FC236}">
+                <a16:creationId xmlns:a16="http://schemas.microsoft.com/office/drawing/2014/main" id="{57238D16-AD63-EFE4-E704-EB42347F8BAA}"/>
+              </a:ext>
+            </a:extLst>
+          </p:cNvPr>
+          <p:cNvSpPr txBox="1">
+            <a:spLocks/>
+          </p:cNvSpPr>
+          <p:nvPr/>
+        </p:nvSpPr>
+        <p:spPr>
+          <a:xfrm>
+            <a:off x="929277" y="1105125"/>
+            <a:ext cx="7081200" cy="1159800"/>
+          </a:xfrm>
+          <a:prstGeom prst="rect">
+            <a:avLst/>
+          </a:prstGeom>
+          <a:noFill/>
+          <a:ln>
+            <a:noFill/>
+          </a:ln>
+        </p:spPr>
+        <p:txBody>
+          <a:bodyPr spcFirstLastPara="1" wrap="square" lIns="91425" tIns="91425" rIns="91425" bIns="91425" anchor="b" anchorCtr="0">
+            <a:noAutofit/>
+          </a:bodyPr>
+          <a:lstStyle>
+            <a:defPPr marR="0" lvl="0" algn="l" rtl="0">
+              <a:lnSpc>
+                <a:spcPct val="100000"/>
+              </a:lnSpc>
+              <a:spcBef>
+                <a:spcPts val="0"/>
+              </a:spcBef>
+              <a:spcAft>
+                <a:spcPts val="0"/>
+              </a:spcAft>
+            </a:defPPr>
+            <a:lvl1pPr marR="0" lvl="0" algn="l" rtl="0">
+              <a:lnSpc>
+                <a:spcPct val="100000"/>
+              </a:lnSpc>
+              <a:spcBef>
+                <a:spcPts val="0"/>
+              </a:spcBef>
+              <a:spcAft>
+                <a:spcPts val="0"/>
+              </a:spcAft>
+              <a:buClr>
+                <a:schemeClr val="lt1"/>
+              </a:buClr>
+              <a:buSzPts val="4800"/>
+              <a:buFont typeface="Cousine"/>
+              <a:buNone/>
+              <a:defRPr sz="4800" b="1" i="0" u="none" strike="noStrike" cap="none">
+                <a:solidFill>
+                  <a:schemeClr val="lt1"/>
+                </a:solidFill>
+                <a:latin typeface="Cousine"/>
+                <a:ea typeface="Cousine"/>
+                <a:cs typeface="Cousine"/>
+                <a:sym typeface="Cousine"/>
+              </a:defRPr>
+            </a:lvl1pPr>
+            <a:lvl2pPr marR="0" lvl="1" algn="l" rtl="0">
+              <a:lnSpc>
+                <a:spcPct val="100000"/>
+              </a:lnSpc>
+              <a:spcBef>
+                <a:spcPts val="0"/>
+              </a:spcBef>
+              <a:spcAft>
+                <a:spcPts val="0"/>
+              </a:spcAft>
+              <a:buClr>
+                <a:schemeClr val="lt1"/>
+              </a:buClr>
+              <a:buSzPts val="4800"/>
+              <a:buFont typeface="Cousine"/>
+              <a:buNone/>
+              <a:defRPr sz="4800" b="1" i="0" u="none" strike="noStrike" cap="none">
+                <a:solidFill>
+                  <a:schemeClr val="lt1"/>
+                </a:solidFill>
+                <a:latin typeface="Cousine"/>
+                <a:ea typeface="Cousine"/>
+                <a:cs typeface="Cousine"/>
+                <a:sym typeface="Cousine"/>
+              </a:defRPr>
+            </a:lvl2pPr>
+            <a:lvl3pPr marR="0" lvl="2" algn="l" rtl="0">
+              <a:lnSpc>
+                <a:spcPct val="100000"/>
+              </a:lnSpc>
+              <a:spcBef>
+                <a:spcPts val="0"/>
+              </a:spcBef>
+              <a:spcAft>
+                <a:spcPts val="0"/>
+              </a:spcAft>
+              <a:buClr>
+                <a:schemeClr val="lt1"/>
+              </a:buClr>
+              <a:buSzPts val="4800"/>
+              <a:buFont typeface="Cousine"/>
+              <a:buNone/>
+              <a:defRPr sz="4800" b="1" i="0" u="none" strike="noStrike" cap="none">
+                <a:solidFill>
+                  <a:schemeClr val="lt1"/>
+                </a:solidFill>
+                <a:latin typeface="Cousine"/>
+                <a:ea typeface="Cousine"/>
+                <a:cs typeface="Cousine"/>
+                <a:sym typeface="Cousine"/>
+              </a:defRPr>
+            </a:lvl3pPr>
+            <a:lvl4pPr marR="0" lvl="3" algn="l" rtl="0">
+              <a:lnSpc>
+                <a:spcPct val="100000"/>
+              </a:lnSpc>
+              <a:spcBef>
+                <a:spcPts val="0"/>
+              </a:spcBef>
+              <a:spcAft>
+                <a:spcPts val="0"/>
+              </a:spcAft>
+              <a:buClr>
+                <a:schemeClr val="lt1"/>
+              </a:buClr>
+              <a:buSzPts val="4800"/>
+              <a:buFont typeface="Cousine"/>
+              <a:buNone/>
+              <a:defRPr sz="4800" b="1" i="0" u="none" strike="noStrike" cap="none">
+                <a:solidFill>
+                  <a:schemeClr val="lt1"/>
+                </a:solidFill>
+                <a:latin typeface="Cousine"/>
+                <a:ea typeface="Cousine"/>
+                <a:cs typeface="Cousine"/>
+                <a:sym typeface="Cousine"/>
+              </a:defRPr>
+            </a:lvl4pPr>
+            <a:lvl5pPr marR="0" lvl="4" algn="l" rtl="0">
+              <a:lnSpc>
+                <a:spcPct val="100000"/>
+              </a:lnSpc>
+              <a:spcBef>
+                <a:spcPts val="0"/>
+              </a:spcBef>
+              <a:spcAft>
+                <a:spcPts val="0"/>
+              </a:spcAft>
+              <a:buClr>
+                <a:schemeClr val="lt1"/>
+              </a:buClr>
+              <a:buSzPts val="4800"/>
+              <a:buFont typeface="Cousine"/>
+              <a:buNone/>
+              <a:defRPr sz="4800" b="1" i="0" u="none" strike="noStrike" cap="none">
+                <a:solidFill>
+                  <a:schemeClr val="lt1"/>
+                </a:solidFill>
+                <a:latin typeface="Cousine"/>
+                <a:ea typeface="Cousine"/>
+                <a:cs typeface="Cousine"/>
+                <a:sym typeface="Cousine"/>
+              </a:defRPr>
+            </a:lvl5pPr>
+            <a:lvl6pPr marR="0" lvl="5" algn="l" rtl="0">
+              <a:lnSpc>
+                <a:spcPct val="100000"/>
+              </a:lnSpc>
+              <a:spcBef>
+                <a:spcPts val="0"/>
+              </a:spcBef>
+              <a:spcAft>
+                <a:spcPts val="0"/>
+              </a:spcAft>
+              <a:buClr>
+                <a:schemeClr val="lt1"/>
+              </a:buClr>
+              <a:buSzPts val="4800"/>
+              <a:buFont typeface="Cousine"/>
+              <a:buNone/>
+              <a:defRPr sz="4800" b="1" i="0" u="none" strike="noStrike" cap="none">
+                <a:solidFill>
+                  <a:schemeClr val="lt1"/>
+                </a:solidFill>
+                <a:latin typeface="Cousine"/>
+                <a:ea typeface="Cousine"/>
+                <a:cs typeface="Cousine"/>
+                <a:sym typeface="Cousine"/>
+              </a:defRPr>
+            </a:lvl6pPr>
+            <a:lvl7pPr marR="0" lvl="6" algn="l" rtl="0">
+              <a:lnSpc>
+                <a:spcPct val="100000"/>
+              </a:lnSpc>
+              <a:spcBef>
+                <a:spcPts val="0"/>
+              </a:spcBef>
+              <a:spcAft>
+                <a:spcPts val="0"/>
+              </a:spcAft>
+              <a:buClr>
+                <a:schemeClr val="lt1"/>
+              </a:buClr>
+              <a:buSzPts val="4800"/>
+              <a:buFont typeface="Cousine"/>
+              <a:buNone/>
+              <a:defRPr sz="4800" b="1" i="0" u="none" strike="noStrike" cap="none">
+                <a:solidFill>
+                  <a:schemeClr val="lt1"/>
+                </a:solidFill>
+                <a:latin typeface="Cousine"/>
+                <a:ea typeface="Cousine"/>
+                <a:cs typeface="Cousine"/>
+                <a:sym typeface="Cousine"/>
+              </a:defRPr>
+            </a:lvl7pPr>
+            <a:lvl8pPr marR="0" lvl="7" algn="l" rtl="0">
+              <a:lnSpc>
+                <a:spcPct val="100000"/>
+              </a:lnSpc>
+              <a:spcBef>
+                <a:spcPts val="0"/>
+              </a:spcBef>
+              <a:spcAft>
+                <a:spcPts val="0"/>
+              </a:spcAft>
+              <a:buClr>
+                <a:schemeClr val="lt1"/>
+              </a:buClr>
+              <a:buSzPts val="4800"/>
+              <a:buFont typeface="Cousine"/>
+              <a:buNone/>
+              <a:defRPr sz="4800" b="1" i="0" u="none" strike="noStrike" cap="none">
+                <a:solidFill>
+                  <a:schemeClr val="lt1"/>
+                </a:solidFill>
+                <a:latin typeface="Cousine"/>
+                <a:ea typeface="Cousine"/>
+                <a:cs typeface="Cousine"/>
+                <a:sym typeface="Cousine"/>
+              </a:defRPr>
+            </a:lvl8pPr>
+            <a:lvl9pPr marR="0" lvl="8" algn="l" rtl="0">
+              <a:lnSpc>
+                <a:spcPct val="100000"/>
+              </a:lnSpc>
+              <a:spcBef>
+                <a:spcPts val="0"/>
+              </a:spcBef>
+              <a:spcAft>
+                <a:spcPts val="0"/>
+              </a:spcAft>
+              <a:buClr>
+                <a:schemeClr val="lt1"/>
+              </a:buClr>
+              <a:buSzPts val="4800"/>
+              <a:buFont typeface="Cousine"/>
+              <a:buNone/>
+              <a:defRPr sz="4800" b="1" i="0" u="none" strike="noStrike" cap="none">
+                <a:solidFill>
+                  <a:schemeClr val="lt1"/>
+                </a:solidFill>
+                <a:latin typeface="Cousine"/>
+                <a:ea typeface="Cousine"/>
+                <a:cs typeface="Cousine"/>
+                <a:sym typeface="Cousine"/>
+              </a:defRPr>
+            </a:lvl9pPr>
+          </a:lstStyle>
+          <a:p>
+            <a:pPr algn="ctr"/>
+            <a:r>
+              <a:rPr lang="lv-LV" sz="2400" b="0" dirty="0">
+                <a:latin typeface="Montserrat"/>
+                <a:ea typeface="Montserrat"/>
+                <a:cs typeface="Montserrat"/>
+                <a:sym typeface="Montserrat"/>
+              </a:rPr>
+              <a:t>Prezentācija kvalifikācijas darbam</a:t>
+            </a:r>
+          </a:p>
+          <a:p>
+            <a:pPr algn="ctr"/>
+            <a:r>
+              <a:rPr lang="lv-LV" sz="2400" b="0" dirty="0">
+                <a:latin typeface="Montserrat"/>
+                <a:ea typeface="Montserrat"/>
+                <a:cs typeface="Montserrat"/>
+                <a:sym typeface="Montserrat"/>
+              </a:rPr>
+              <a:t>Tīmekļa vietne</a:t>
+            </a:r>
+            <a:endParaRPr lang="lv-LV" sz="2400" dirty="0">
+              <a:latin typeface="Montserrat"/>
+              <a:ea typeface="Montserrat"/>
+              <a:cs typeface="Montserrat"/>
+              <a:sym typeface="Montserrat"/>
             </a:endParaRPr>
           </a:p>
         </p:txBody>
